--- a/paper/poster_present.pptx
+++ b/paper/poster_present.pptx
@@ -115,6 +115,11 @@
       </a:defRPr>
     </a:lvl9pPr>
   </p:defaultTextStyle>
+  <p:extLst>
+    <p:ext uri="{EFAFB233-063F-42B5-8137-9DF3F51BA10A}">
+      <p15:sldGuideLst xmlns:p15="http://schemas.microsoft.com/office/powerpoint/2012/main"/>
+    </p:ext>
+  </p:extLst>
 </p:presentation>
 </file>
 
@@ -200,7 +205,7 @@
           <a:p>
             <a:fld id="{E518B0A7-30E8-1741-973E-227995950974}" type="datetimeFigureOut">
               <a:rPr kumimoji="1" lang="ko-KR" altLang="en-US" smtClean="0"/>
-              <a:t>2017. 6. 18.</a:t>
+              <a:t>2017. 6. 20.</a:t>
             </a:fld>
             <a:endParaRPr kumimoji="1" lang="ko-KR" altLang="en-US"/>
           </a:p>
@@ -694,7 +699,7 @@
           <a:p>
             <a:fld id="{4BDF68E2-58F2-4D09-BE8B-E3BD06533059}" type="datetimeFigureOut">
               <a:rPr lang="en-US" dirty="0"/>
-              <a:t>6/18/17</a:t>
+              <a:t>6/20/17</a:t>
             </a:fld>
             <a:endParaRPr lang="en-US" dirty="0"/>
           </a:p>
@@ -897,7 +902,7 @@
           <a:p>
             <a:fld id="{2E2D6473-DF6D-4702-B328-E0DD40540A4E}" type="datetimeFigureOut">
               <a:rPr lang="en-US" dirty="0"/>
-              <a:t>6/18/17</a:t>
+              <a:t>6/20/17</a:t>
             </a:fld>
             <a:endParaRPr lang="en-US" dirty="0"/>
           </a:p>
@@ -1148,7 +1153,7 @@
           <a:p>
             <a:fld id="{E26F7E3A-B166-407D-9866-32884E7D5B37}" type="datetimeFigureOut">
               <a:rPr lang="en-US" dirty="0"/>
-              <a:t>6/18/17</a:t>
+              <a:t>6/20/17</a:t>
             </a:fld>
             <a:endParaRPr lang="en-US" dirty="0"/>
           </a:p>
@@ -1317,7 +1322,7 @@
           <a:p>
             <a:fld id="{528FC5F6-F338-4AE4-BB23-26385BCFC423}" type="datetimeFigureOut">
               <a:rPr lang="en-US" dirty="0"/>
-              <a:t>6/18/17</a:t>
+              <a:t>6/20/17</a:t>
             </a:fld>
             <a:endParaRPr lang="en-US" dirty="0"/>
           </a:p>
@@ -1655,7 +1660,7 @@
           <a:p>
             <a:fld id="{20EBB0C4-6273-4C6E-B9BD-2EDC30F1CD52}" type="datetimeFigureOut">
               <a:rPr lang="en-US" dirty="0"/>
-              <a:t>6/18/17</a:t>
+              <a:t>6/20/17</a:t>
             </a:fld>
             <a:endParaRPr lang="en-US" dirty="0"/>
           </a:p>
@@ -1925,7 +1930,7 @@
           <a:p>
             <a:fld id="{19AB4D41-86C1-4908-B66A-0B50CEB3BF29}" type="datetimeFigureOut">
               <a:rPr lang="en-US" dirty="0"/>
-              <a:t>6/18/17</a:t>
+              <a:t>6/20/17</a:t>
             </a:fld>
             <a:endParaRPr lang="en-US" dirty="0"/>
           </a:p>
@@ -2299,7 +2304,7 @@
           <a:p>
             <a:fld id="{E6426E2C-56C1-4E0D-A793-0088A7FDD37E}" type="datetimeFigureOut">
               <a:rPr lang="en-US" dirty="0"/>
-              <a:t>6/18/17</a:t>
+              <a:t>6/20/17</a:t>
             </a:fld>
             <a:endParaRPr lang="en-US" dirty="0"/>
           </a:p>
@@ -2412,7 +2417,7 @@
           <a:p>
             <a:fld id="{C8C39B41-D8B5-4052-B551-9B5525EAA8B6}" type="datetimeFigureOut">
               <a:rPr lang="en-US" dirty="0"/>
-              <a:t>6/18/17</a:t>
+              <a:t>6/20/17</a:t>
             </a:fld>
             <a:endParaRPr lang="en-US" dirty="0"/>
           </a:p>
@@ -2578,7 +2583,7 @@
           <a:p>
             <a:fld id="{4D94136C-8742-45B2-AF27-D93DF72833A9}" type="datetimeFigureOut">
               <a:rPr lang="en-US" dirty="0"/>
-              <a:t>6/18/17</a:t>
+              <a:t>6/20/17</a:t>
             </a:fld>
             <a:endParaRPr lang="en-US" dirty="0"/>
           </a:p>
@@ -2928,7 +2933,7 @@
           <a:p>
             <a:fld id="{32ABBEA6-7C60-4B02-AE87-00D78D8422AF}" type="datetimeFigureOut">
               <a:rPr lang="en-US" dirty="0"/>
-              <a:t>6/18/17</a:t>
+              <a:t>6/20/17</a:t>
             </a:fld>
             <a:endParaRPr lang="en-US" dirty="0"/>
           </a:p>
@@ -3303,7 +3308,7 @@
           <a:p>
             <a:fld id="{C9CAD897-D46E-4AD2-BD9B-49DD3E640873}" type="datetimeFigureOut">
               <a:rPr lang="en-US" dirty="0"/>
-              <a:t>6/18/17</a:t>
+              <a:t>6/20/17</a:t>
             </a:fld>
             <a:endParaRPr lang="en-US" dirty="0"/>
           </a:p>
@@ -3585,7 +3590,7 @@
           <a:p>
             <a:fld id="{98624D31-43A5-475A-80CF-332C9F6DCF35}" type="datetimeFigureOut">
               <a:rPr lang="en-US" dirty="0"/>
-              <a:t>6/18/17</a:t>
+              <a:t>6/20/17</a:t>
             </a:fld>
             <a:endParaRPr lang="en-US" dirty="0"/>
           </a:p>
@@ -4160,8 +4165,8 @@
         </p:nvSpPr>
         <p:spPr>
           <a:xfrm>
-            <a:off x="4497414" y="3791552"/>
-            <a:ext cx="3384260" cy="461665"/>
+            <a:off x="3891467" y="3791552"/>
+            <a:ext cx="4564070" cy="461665"/>
           </a:xfrm>
           <a:prstGeom prst="rect">
             <a:avLst/>
@@ -4192,7 +4197,19 @@
             </a:r>
             <a:r>
               <a:rPr kumimoji="1" lang="ko-KR" altLang="en-US" sz="2400" dirty="0" smtClean="0"/>
-              <a:t> 임성수</a:t>
+              <a:t> </a:t>
+            </a:r>
+            <a:r>
+              <a:rPr kumimoji="1" lang="ko-KR" altLang="en-US" sz="2400" dirty="0" smtClean="0"/>
+              <a:t>임성수 </a:t>
+            </a:r>
+            <a:r>
+              <a:rPr kumimoji="1" lang="en-US" altLang="ko-KR" sz="2400" dirty="0" smtClean="0"/>
+              <a:t>/</a:t>
+            </a:r>
+            <a:r>
+              <a:rPr kumimoji="1" lang="ko-KR" altLang="en-US" sz="2400" dirty="0" smtClean="0"/>
+              <a:t> 국민대</a:t>
             </a:r>
             <a:endParaRPr kumimoji="1" lang="ko-KR" altLang="en-US" sz="2400" dirty="0"/>
           </a:p>
@@ -4234,7 +4251,36 @@
               <a:rPr lang="en-US" altLang="ko-KR" sz="2400" dirty="0"/>
               <a:t>Benchmark for Many-core System </a:t>
             </a:r>
-            <a:endParaRPr lang="en-US" altLang="ko-KR" sz="2400" dirty="0"/>
+          </a:p>
+        </p:txBody>
+      </p:sp>
+      <p:sp>
+        <p:nvSpPr>
+          <p:cNvPr id="7" name="텍스트 상자 6"/>
+          <p:cNvSpPr txBox="1"/>
+          <p:nvPr/>
+        </p:nvSpPr>
+        <p:spPr>
+          <a:xfrm>
+            <a:off x="4487816" y="4494462"/>
+            <a:ext cx="3371372" cy="461665"/>
+          </a:xfrm>
+          <a:prstGeom prst="rect">
+            <a:avLst/>
+          </a:prstGeom>
+          <a:noFill/>
+        </p:spPr>
+        <p:txBody>
+          <a:bodyPr wrap="none" rtlCol="0">
+            <a:spAutoFit/>
+          </a:bodyPr>
+          <a:lstStyle/>
+          <a:p>
+            <a:r>
+              <a:rPr kumimoji="1" lang="en-US" altLang="ko-KR" sz="2400" smtClean="0"/>
+              <a:t>commisori28@gmail.com</a:t>
+            </a:r>
+            <a:endParaRPr kumimoji="1" lang="ko-KR" altLang="en-US" sz="2400" dirty="0"/>
           </a:p>
         </p:txBody>
       </p:sp>
